--- a/docs/회의실예약시스템_박병광&이준행.pptx
+++ b/docs/회의실예약시스템_박병광&이준행.pptx
@@ -133,7 +133,7 @@
   </p:defaultTextStyle>
   <p:extLst>
     <p:ext uri="{EFAFB233-063F-42B5-8137-9DF3F51BA10A}">
-      <p15:sldGuideLst xmlns:p15="http://schemas.microsoft.com/office/powerpoint/2012/main" xmlns="">
+      <p15:sldGuideLst xmlns="" xmlns:p15="http://schemas.microsoft.com/office/powerpoint/2012/main">
         <p15:guide id="1" orient="horz" pos="2160">
           <p15:clr>
             <a:srgbClr val="A4A3A4"/>
@@ -402,7 +402,7 @@
     </p:spTree>
     <p:extLst>
       <p:ext uri="{BB962C8B-B14F-4D97-AF65-F5344CB8AC3E}">
-        <p14:creationId xmlns:p14="http://schemas.microsoft.com/office/powerpoint/2010/main" xmlns="" val="3227165412"/>
+        <p14:creationId xmlns="" xmlns:p14="http://schemas.microsoft.com/office/powerpoint/2010/main" val="3227165412"/>
       </p:ext>
     </p:extLst>
   </p:cSld>
@@ -736,7 +736,7 @@
     </p:spTree>
     <p:extLst>
       <p:ext uri="{BB962C8B-B14F-4D97-AF65-F5344CB8AC3E}">
-        <p14:creationId xmlns:p14="http://schemas.microsoft.com/office/powerpoint/2010/main" xmlns="" val="1042728604"/>
+        <p14:creationId xmlns="" xmlns:p14="http://schemas.microsoft.com/office/powerpoint/2010/main" val="1042728604"/>
       </p:ext>
     </p:extLst>
   </p:cSld>
@@ -908,7 +908,7 @@
     </p:spTree>
     <p:extLst>
       <p:ext uri="{BB962C8B-B14F-4D97-AF65-F5344CB8AC3E}">
-        <p14:creationId xmlns:p14="http://schemas.microsoft.com/office/powerpoint/2010/main" xmlns="" val="2180840005"/>
+        <p14:creationId xmlns="" xmlns:p14="http://schemas.microsoft.com/office/powerpoint/2010/main" val="2180840005"/>
       </p:ext>
     </p:extLst>
   </p:cSld>
@@ -1090,7 +1090,7 @@
     </p:spTree>
     <p:extLst>
       <p:ext uri="{BB962C8B-B14F-4D97-AF65-F5344CB8AC3E}">
-        <p14:creationId xmlns:p14="http://schemas.microsoft.com/office/powerpoint/2010/main" xmlns="" val="3047263510"/>
+        <p14:creationId xmlns="" xmlns:p14="http://schemas.microsoft.com/office/powerpoint/2010/main" val="3047263510"/>
       </p:ext>
     </p:extLst>
   </p:cSld>
@@ -1262,7 +1262,7 @@
     </p:spTree>
     <p:extLst>
       <p:ext uri="{BB962C8B-B14F-4D97-AF65-F5344CB8AC3E}">
-        <p14:creationId xmlns:p14="http://schemas.microsoft.com/office/powerpoint/2010/main" xmlns="" val="2054720861"/>
+        <p14:creationId xmlns="" xmlns:p14="http://schemas.microsoft.com/office/powerpoint/2010/main" val="2054720861"/>
       </p:ext>
     </p:extLst>
   </p:cSld>
@@ -1510,7 +1510,7 @@
     </p:spTree>
     <p:extLst>
       <p:ext uri="{BB962C8B-B14F-4D97-AF65-F5344CB8AC3E}">
-        <p14:creationId xmlns:p14="http://schemas.microsoft.com/office/powerpoint/2010/main" xmlns="" val="1065600718"/>
+        <p14:creationId xmlns="" xmlns:p14="http://schemas.microsoft.com/office/powerpoint/2010/main" val="1065600718"/>
       </p:ext>
     </p:extLst>
   </p:cSld>
@@ -1800,7 +1800,7 @@
     </p:spTree>
     <p:extLst>
       <p:ext uri="{BB962C8B-B14F-4D97-AF65-F5344CB8AC3E}">
-        <p14:creationId xmlns:p14="http://schemas.microsoft.com/office/powerpoint/2010/main" xmlns="" val="846351399"/>
+        <p14:creationId xmlns="" xmlns:p14="http://schemas.microsoft.com/office/powerpoint/2010/main" val="846351399"/>
       </p:ext>
     </p:extLst>
   </p:cSld>
@@ -2224,7 +2224,7 @@
     </p:spTree>
     <p:extLst>
       <p:ext uri="{BB962C8B-B14F-4D97-AF65-F5344CB8AC3E}">
-        <p14:creationId xmlns:p14="http://schemas.microsoft.com/office/powerpoint/2010/main" xmlns="" val="331625216"/>
+        <p14:creationId xmlns="" xmlns:p14="http://schemas.microsoft.com/office/powerpoint/2010/main" val="331625216"/>
       </p:ext>
     </p:extLst>
   </p:cSld>
@@ -2344,7 +2344,7 @@
     </p:spTree>
     <p:extLst>
       <p:ext uri="{BB962C8B-B14F-4D97-AF65-F5344CB8AC3E}">
-        <p14:creationId xmlns:p14="http://schemas.microsoft.com/office/powerpoint/2010/main" xmlns="" val="2988891530"/>
+        <p14:creationId xmlns="" xmlns:p14="http://schemas.microsoft.com/office/powerpoint/2010/main" val="2988891530"/>
       </p:ext>
     </p:extLst>
   </p:cSld>
@@ -2441,7 +2441,7 @@
     </p:spTree>
     <p:extLst>
       <p:ext uri="{BB962C8B-B14F-4D97-AF65-F5344CB8AC3E}">
-        <p14:creationId xmlns:p14="http://schemas.microsoft.com/office/powerpoint/2010/main" xmlns="" val="3631999036"/>
+        <p14:creationId xmlns="" xmlns:p14="http://schemas.microsoft.com/office/powerpoint/2010/main" val="3631999036"/>
       </p:ext>
     </p:extLst>
   </p:cSld>
@@ -2720,7 +2720,7 @@
     </p:spTree>
     <p:extLst>
       <p:ext uri="{BB962C8B-B14F-4D97-AF65-F5344CB8AC3E}">
-        <p14:creationId xmlns:p14="http://schemas.microsoft.com/office/powerpoint/2010/main" xmlns="" val="3184623709"/>
+        <p14:creationId xmlns="" xmlns:p14="http://schemas.microsoft.com/office/powerpoint/2010/main" val="3184623709"/>
       </p:ext>
     </p:extLst>
   </p:cSld>
@@ -2975,7 +2975,7 @@
     </p:spTree>
     <p:extLst>
       <p:ext uri="{BB962C8B-B14F-4D97-AF65-F5344CB8AC3E}">
-        <p14:creationId xmlns:p14="http://schemas.microsoft.com/office/powerpoint/2010/main" xmlns="" val="1165348385"/>
+        <p14:creationId xmlns="" xmlns:p14="http://schemas.microsoft.com/office/powerpoint/2010/main" val="1165348385"/>
       </p:ext>
     </p:extLst>
   </p:cSld>
@@ -3226,7 +3226,7 @@
     </p:spTree>
     <p:extLst>
       <p:ext uri="{BB962C8B-B14F-4D97-AF65-F5344CB8AC3E}">
-        <p14:creationId xmlns:p14="http://schemas.microsoft.com/office/powerpoint/2010/main" xmlns="" val="4204008714"/>
+        <p14:creationId xmlns="" xmlns:p14="http://schemas.microsoft.com/office/powerpoint/2010/main" val="4204008714"/>
       </p:ext>
     </p:extLst>
   </p:cSld>
@@ -3672,7 +3672,7 @@
     </p:spTree>
     <p:extLst>
       <p:ext uri="{BB962C8B-B14F-4D97-AF65-F5344CB8AC3E}">
-        <p14:creationId xmlns:p14="http://schemas.microsoft.com/office/powerpoint/2010/main" xmlns="" val="2319601342"/>
+        <p14:creationId xmlns="" xmlns:p14="http://schemas.microsoft.com/office/powerpoint/2010/main" val="2319601342"/>
       </p:ext>
     </p:extLst>
   </p:cSld>
@@ -3851,7 +3851,7 @@
     </p:spTree>
     <p:extLst>
       <p:ext uri="{BB962C8B-B14F-4D97-AF65-F5344CB8AC3E}">
-        <p14:creationId xmlns:p14="http://schemas.microsoft.com/office/powerpoint/2010/main" xmlns="" val="777952050"/>
+        <p14:creationId xmlns="" xmlns:p14="http://schemas.microsoft.com/office/powerpoint/2010/main" val="777952050"/>
       </p:ext>
     </p:extLst>
   </p:cSld>
@@ -4028,7 +4028,7 @@
     </p:spTree>
     <p:extLst>
       <p:ext uri="{BB962C8B-B14F-4D97-AF65-F5344CB8AC3E}">
-        <p14:creationId xmlns:p14="http://schemas.microsoft.com/office/powerpoint/2010/main" xmlns="" val="777952050"/>
+        <p14:creationId xmlns="" xmlns:p14="http://schemas.microsoft.com/office/powerpoint/2010/main" val="777952050"/>
       </p:ext>
     </p:extLst>
   </p:cSld>
@@ -4301,7 +4301,7 @@
     </p:spTree>
     <p:extLst>
       <p:ext uri="{BB962C8B-B14F-4D97-AF65-F5344CB8AC3E}">
-        <p14:creationId xmlns:p14="http://schemas.microsoft.com/office/powerpoint/2010/main" xmlns="" val="777952050"/>
+        <p14:creationId xmlns="" xmlns:p14="http://schemas.microsoft.com/office/powerpoint/2010/main" val="777952050"/>
       </p:ext>
     </p:extLst>
   </p:cSld>
@@ -4449,7 +4449,7 @@
         </p:nvSpPr>
         <p:spPr>
           <a:xfrm>
-            <a:off x="1259632" y="5805264"/>
+            <a:off x="1115616" y="5301208"/>
             <a:ext cx="7223452" cy="646331"/>
           </a:xfrm>
           <a:prstGeom prst="rect">
@@ -4493,10 +4493,87 @@
           </a:p>
         </p:txBody>
       </p:sp>
+      <p:sp>
+        <p:nvSpPr>
+          <p:cNvPr id="5" name="TextBox 4"/>
+          <p:cNvSpPr txBox="1"/>
+          <p:nvPr/>
+        </p:nvSpPr>
+        <p:spPr>
+          <a:xfrm>
+            <a:off x="971600" y="6021288"/>
+            <a:ext cx="7699544" cy="646331"/>
+          </a:xfrm>
+          <a:prstGeom prst="rect">
+            <a:avLst/>
+          </a:prstGeom>
+          <a:noFill/>
+        </p:spPr>
+        <p:txBody>
+          <a:bodyPr wrap="none" rtlCol="0">
+            <a:spAutoFit/>
+          </a:bodyPr>
+          <a:lstStyle/>
+          <a:p>
+            <a:r>
+              <a:rPr lang="ko-KR" altLang="en-US" b="1" spc="-150" dirty="0" smtClean="0"/>
+              <a:t>다만</a:t>
+            </a:r>
+            <a:r>
+              <a:rPr lang="en-US" altLang="ko-KR" b="1" spc="-150" dirty="0" smtClean="0"/>
+              <a:t>, </a:t>
+            </a:r>
+            <a:r>
+              <a:rPr lang="ko-KR" altLang="en-US" b="1" spc="-150" dirty="0" smtClean="0"/>
+              <a:t>서버시간으로 입력이 되어서</a:t>
+            </a:r>
+            <a:r>
+              <a:rPr lang="en-US" altLang="ko-KR" b="1" spc="-150" dirty="0" smtClean="0"/>
+              <a:t>, </a:t>
+            </a:r>
+            <a:r>
+              <a:rPr lang="en-US" altLang="ko-KR" b="1" spc="-150" dirty="0" err="1" smtClean="0"/>
+              <a:t>jsp</a:t>
+            </a:r>
+            <a:r>
+              <a:rPr lang="ko-KR" altLang="en-US" b="1" spc="-150" dirty="0" smtClean="0"/>
+              <a:t>상에서 예약하려는 시간에 </a:t>
+            </a:r>
+            <a:r>
+              <a:rPr lang="en-US" altLang="ko-KR" b="1" spc="-150" dirty="0" smtClean="0"/>
+              <a:t>9</a:t>
+            </a:r>
+            <a:r>
+              <a:rPr lang="ko-KR" altLang="en-US" b="1" spc="-150" dirty="0" smtClean="0"/>
+              <a:t>시간이 더해져</a:t>
+            </a:r>
+            <a:endParaRPr lang="en-US" altLang="ko-KR" b="1" spc="-150" dirty="0" smtClean="0"/>
+          </a:p>
+          <a:p>
+            <a:r>
+              <a:rPr lang="ko-KR" altLang="en-US" b="1" spc="-150" dirty="0" smtClean="0"/>
+              <a:t>예약이 되는 오류가 있습니다</a:t>
+            </a:r>
+            <a:r>
+              <a:rPr lang="en-US" altLang="ko-KR" b="1" spc="-150" dirty="0" smtClean="0"/>
+              <a:t>. </a:t>
+            </a:r>
+            <a:r>
+              <a:rPr lang="ko-KR" altLang="en-US" b="1" spc="-150" dirty="0" smtClean="0"/>
+              <a:t>다음 업데이트에서는 이를 바로잡도록 하겠습니다</a:t>
+            </a:r>
+            <a:r>
+              <a:rPr lang="en-US" altLang="ko-KR" b="1" spc="-150" dirty="0" smtClean="0"/>
+              <a:t>.</a:t>
+            </a:r>
+            <a:endParaRPr lang="ko-KR" altLang="en-US" b="1" spc="-150" dirty="0"/>
+          </a:p>
+        </p:txBody>
+      </p:sp>
     </p:spTree>
     <p:extLst>
       <p:ext uri="{BB962C8B-B14F-4D97-AF65-F5344CB8AC3E}">
-        <p14:creationId xmlns:p14="http://schemas.microsoft.com/office/powerpoint/2010/main" xmlns="" val="777952050"/>
+        <p14:creationId xmlns="" xmlns:p14="http://schemas.microsoft.com/office/powerpoint/2010/main" val="777952050"/>
       </p:ext>
     </p:extLst>
   </p:cSld>
@@ -4673,7 +4750,7 @@
     </p:spTree>
     <p:extLst>
       <p:ext uri="{BB962C8B-B14F-4D97-AF65-F5344CB8AC3E}">
-        <p14:creationId xmlns:p14="http://schemas.microsoft.com/office/powerpoint/2010/main" xmlns="" val="777952050"/>
+        <p14:creationId xmlns="" xmlns:p14="http://schemas.microsoft.com/office/powerpoint/2010/main" val="777952050"/>
       </p:ext>
     </p:extLst>
   </p:cSld>
@@ -4893,7 +4970,7 @@
     </p:spTree>
     <p:extLst>
       <p:ext uri="{BB962C8B-B14F-4D97-AF65-F5344CB8AC3E}">
-        <p14:creationId xmlns:p14="http://schemas.microsoft.com/office/powerpoint/2010/main" xmlns="" val="777952050"/>
+        <p14:creationId xmlns="" xmlns:p14="http://schemas.microsoft.com/office/powerpoint/2010/main" val="777952050"/>
       </p:ext>
     </p:extLst>
   </p:cSld>
@@ -5074,7 +5151,7 @@
     </p:spTree>
     <p:extLst>
       <p:ext uri="{BB962C8B-B14F-4D97-AF65-F5344CB8AC3E}">
-        <p14:creationId xmlns:p14="http://schemas.microsoft.com/office/powerpoint/2010/main" xmlns="" val="777952050"/>
+        <p14:creationId xmlns="" xmlns:p14="http://schemas.microsoft.com/office/powerpoint/2010/main" val="777952050"/>
       </p:ext>
     </p:extLst>
   </p:cSld>
@@ -5251,7 +5328,7 @@
     </p:spTree>
     <p:extLst>
       <p:ext uri="{BB962C8B-B14F-4D97-AF65-F5344CB8AC3E}">
-        <p14:creationId xmlns:p14="http://schemas.microsoft.com/office/powerpoint/2010/main" xmlns="" val="777952050"/>
+        <p14:creationId xmlns="" xmlns:p14="http://schemas.microsoft.com/office/powerpoint/2010/main" val="777952050"/>
       </p:ext>
     </p:extLst>
   </p:cSld>
@@ -5436,7 +5513,7 @@
     </p:spTree>
     <p:extLst>
       <p:ext uri="{BB962C8B-B14F-4D97-AF65-F5344CB8AC3E}">
-        <p14:creationId xmlns:p14="http://schemas.microsoft.com/office/powerpoint/2010/main" xmlns="" val="777952050"/>
+        <p14:creationId xmlns="" xmlns:p14="http://schemas.microsoft.com/office/powerpoint/2010/main" val="777952050"/>
       </p:ext>
     </p:extLst>
   </p:cSld>
@@ -5666,7 +5743,7 @@
     </p:spTree>
     <p:extLst>
       <p:ext uri="{BB962C8B-B14F-4D97-AF65-F5344CB8AC3E}">
-        <p14:creationId xmlns:p14="http://schemas.microsoft.com/office/powerpoint/2010/main" xmlns="" val="777952050"/>
+        <p14:creationId xmlns="" xmlns:p14="http://schemas.microsoft.com/office/powerpoint/2010/main" val="777952050"/>
       </p:ext>
     </p:extLst>
   </p:cSld>
@@ -5797,7 +5874,7 @@
           <a:blip r:embed="rId2" cstate="print">
             <a:extLst>
               <a:ext uri="{28A0092B-C50C-407E-A947-70E740481C1C}">
-                <a14:useLocalDpi xmlns:a14="http://schemas.microsoft.com/office/drawing/2010/main" xmlns="" val="0"/>
+                <a14:useLocalDpi xmlns="" xmlns:a14="http://schemas.microsoft.com/office/drawing/2010/main" val="0"/>
               </a:ext>
             </a:extLst>
           </a:blip>
@@ -5817,7 +5894,7 @@
           <a:noFill/>
           <a:extLst>
             <a:ext uri="{909E8E84-426E-40DD-AFC4-6F175D3DCCD1}">
-              <a14:hiddenFill xmlns:a14="http://schemas.microsoft.com/office/drawing/2010/main" xmlns="">
+              <a14:hiddenFill xmlns="" xmlns:a14="http://schemas.microsoft.com/office/drawing/2010/main">
                 <a:solidFill>
                   <a:srgbClr val="FFFFFF"/>
                 </a:solidFill>
@@ -5829,7 +5906,7 @@
     </p:spTree>
     <p:extLst>
       <p:ext uri="{BB962C8B-B14F-4D97-AF65-F5344CB8AC3E}">
-        <p14:creationId xmlns:p14="http://schemas.microsoft.com/office/powerpoint/2010/main" xmlns="" val="1153265178"/>
+        <p14:creationId xmlns="" xmlns:p14="http://schemas.microsoft.com/office/powerpoint/2010/main" val="1153265178"/>
       </p:ext>
     </p:extLst>
   </p:cSld>
@@ -6112,11 +6189,7 @@
             </a:r>
             <a:r>
               <a:rPr lang="ko-KR" altLang="en-US" spc="-150" dirty="0" smtClean="0"/>
-              <a:t> </a:t>
-            </a:r>
-            <a:r>
-              <a:rPr lang="ko-KR" altLang="en-US" spc="-150" dirty="0" smtClean="0"/>
-              <a:t>저장 방지</a:t>
+              <a:t> 저장 방지</a:t>
             </a:r>
             <a:endParaRPr lang="en-US" altLang="ko-KR" spc="-150" dirty="0" smtClean="0"/>
           </a:p>
@@ -6309,7 +6382,7 @@
     </p:spTree>
     <p:extLst>
       <p:ext uri="{BB962C8B-B14F-4D97-AF65-F5344CB8AC3E}">
-        <p14:creationId xmlns:p14="http://schemas.microsoft.com/office/powerpoint/2010/main" xmlns="" val="3555391168"/>
+        <p14:creationId xmlns="" xmlns:p14="http://schemas.microsoft.com/office/powerpoint/2010/main" val="3555391168"/>
       </p:ext>
     </p:extLst>
   </p:cSld>
@@ -6396,7 +6469,7 @@
           <a:noFill/>
           <a:extLst>
             <a:ext uri="{909E8E84-426E-40DD-AFC4-6F175D3DCCD1}">
-              <a14:hiddenFill xmlns:a14="http://schemas.microsoft.com/office/drawing/2010/main" xmlns="">
+              <a14:hiddenFill xmlns="" xmlns:a14="http://schemas.microsoft.com/office/drawing/2010/main">
                 <a:solidFill>
                   <a:srgbClr val="FFFFFF"/>
                 </a:solidFill>
@@ -6642,7 +6715,7 @@
     </p:spTree>
     <p:extLst>
       <p:ext uri="{BB962C8B-B14F-4D97-AF65-F5344CB8AC3E}">
-        <p14:creationId xmlns:p14="http://schemas.microsoft.com/office/powerpoint/2010/main" xmlns="" val="4236602450"/>
+        <p14:creationId xmlns="" xmlns:p14="http://schemas.microsoft.com/office/powerpoint/2010/main" val="4236602450"/>
       </p:ext>
     </p:extLst>
   </p:cSld>
@@ -6729,7 +6802,7 @@
           <a:noFill/>
           <a:extLst>
             <a:ext uri="{909E8E84-426E-40DD-AFC4-6F175D3DCCD1}">
-              <a14:hiddenFill xmlns:a14="http://schemas.microsoft.com/office/drawing/2010/main" xmlns="">
+              <a14:hiddenFill xmlns="" xmlns:a14="http://schemas.microsoft.com/office/drawing/2010/main">
                 <a:solidFill>
                   <a:srgbClr val="FFFFFF"/>
                 </a:solidFill>
@@ -6942,7 +7015,7 @@
     </p:spTree>
     <p:extLst>
       <p:ext uri="{BB962C8B-B14F-4D97-AF65-F5344CB8AC3E}">
-        <p14:creationId xmlns:p14="http://schemas.microsoft.com/office/powerpoint/2010/main" xmlns="" val="4236602450"/>
+        <p14:creationId xmlns="" xmlns:p14="http://schemas.microsoft.com/office/powerpoint/2010/main" val="4236602450"/>
       </p:ext>
     </p:extLst>
   </p:cSld>
@@ -7019,11 +7092,7 @@
             </a:pPr>
             <a:r>
               <a:rPr lang="en-US" altLang="ko-KR" sz="1600" b="1" dirty="0" smtClean="0"/>
-              <a:t>JDK </a:t>
-            </a:r>
-            <a:r>
-              <a:rPr lang="en-US" altLang="ko-KR" sz="1600" b="1" dirty="0" smtClean="0"/>
-              <a:t>1.7</a:t>
+              <a:t>JDK 1.7</a:t>
             </a:r>
           </a:p>
           <a:p>
@@ -7154,11 +7223,7 @@
           <a:p>
             <a:r>
               <a:rPr lang="ko-KR" altLang="en-US" sz="3000" b="1" spc="-300" dirty="0" smtClean="0"/>
-              <a:t>사용 </a:t>
-            </a:r>
-            <a:r>
-              <a:rPr lang="ko-KR" altLang="en-US" sz="3000" b="1" spc="-300" dirty="0" smtClean="0"/>
-              <a:t>기술 및 라이브러리 </a:t>
+              <a:t>사용 기술 및 라이브러리 </a:t>
             </a:r>
             <a:endParaRPr lang="en-US" altLang="ko-KR" sz="3000" b="1" spc="-300" dirty="0" smtClean="0"/>
           </a:p>
@@ -7207,11 +7272,7 @@
             </a:pPr>
             <a:r>
               <a:rPr lang="en-US" altLang="ko-KR" sz="1600" b="1" dirty="0" smtClean="0"/>
-              <a:t> </a:t>
-            </a:r>
-            <a:r>
-              <a:rPr lang="en-US" altLang="ko-KR" sz="1600" b="1" dirty="0" smtClean="0"/>
-              <a:t>Library ( for console App )</a:t>
+              <a:t> Library ( for console App )</a:t>
             </a:r>
           </a:p>
           <a:p>
@@ -7342,7 +7403,7 @@
           <a:blip r:embed="rId2" cstate="print">
             <a:extLst>
               <a:ext uri="{28A0092B-C50C-407E-A947-70E740481C1C}">
-                <a14:useLocalDpi xmlns:a14="http://schemas.microsoft.com/office/drawing/2010/main" xmlns="" val="0"/>
+                <a14:useLocalDpi xmlns="" xmlns:a14="http://schemas.microsoft.com/office/drawing/2010/main" val="0"/>
               </a:ext>
             </a:extLst>
           </a:blip>
@@ -7362,7 +7423,7 @@
           <a:noFill/>
           <a:extLst>
             <a:ext uri="{909E8E84-426E-40DD-AFC4-6F175D3DCCD1}">
-              <a14:hiddenFill xmlns:a14="http://schemas.microsoft.com/office/drawing/2010/main" xmlns="">
+              <a14:hiddenFill xmlns="" xmlns:a14="http://schemas.microsoft.com/office/drawing/2010/main">
                 <a:solidFill>
                   <a:srgbClr val="FFFFFF"/>
                 </a:solidFill>
@@ -7383,7 +7444,7 @@
           <a:blip r:embed="rId3" cstate="print">
             <a:extLst>
               <a:ext uri="{28A0092B-C50C-407E-A947-70E740481C1C}">
-                <a14:useLocalDpi xmlns:a14="http://schemas.microsoft.com/office/drawing/2010/main" xmlns="" val="0"/>
+                <a14:useLocalDpi xmlns="" xmlns:a14="http://schemas.microsoft.com/office/drawing/2010/main" val="0"/>
               </a:ext>
             </a:extLst>
           </a:blip>
@@ -7403,7 +7464,7 @@
           <a:noFill/>
           <a:extLst>
             <a:ext uri="{909E8E84-426E-40DD-AFC4-6F175D3DCCD1}">
-              <a14:hiddenFill xmlns:a14="http://schemas.microsoft.com/office/drawing/2010/main" xmlns="">
+              <a14:hiddenFill xmlns="" xmlns:a14="http://schemas.microsoft.com/office/drawing/2010/main">
                 <a:solidFill>
                   <a:srgbClr val="FFFFFF"/>
                 </a:solidFill>
@@ -7424,7 +7485,7 @@
           <a:blip r:embed="rId4" cstate="print">
             <a:extLst>
               <a:ext uri="{28A0092B-C50C-407E-A947-70E740481C1C}">
-                <a14:useLocalDpi xmlns:a14="http://schemas.microsoft.com/office/drawing/2010/main" xmlns="" val="0"/>
+                <a14:useLocalDpi xmlns="" xmlns:a14="http://schemas.microsoft.com/office/drawing/2010/main" val="0"/>
               </a:ext>
             </a:extLst>
           </a:blip>
@@ -7444,7 +7505,7 @@
           <a:noFill/>
           <a:extLst>
             <a:ext uri="{909E8E84-426E-40DD-AFC4-6F175D3DCCD1}">
-              <a14:hiddenFill xmlns:a14="http://schemas.microsoft.com/office/drawing/2010/main" xmlns="">
+              <a14:hiddenFill xmlns="" xmlns:a14="http://schemas.microsoft.com/office/drawing/2010/main">
                 <a:solidFill>
                   <a:srgbClr val="FFFFFF"/>
                 </a:solidFill>
@@ -7553,7 +7614,7 @@
           <a:noFill/>
           <a:extLst>
             <a:ext uri="{909E8E84-426E-40DD-AFC4-6F175D3DCCD1}">
-              <a14:hiddenFill xmlns:a14="http://schemas.microsoft.com/office/drawing/2010/main" xmlns="">
+              <a14:hiddenFill xmlns="" xmlns:a14="http://schemas.microsoft.com/office/drawing/2010/main">
                 <a:solidFill>
                   <a:srgbClr val="FFFFFF"/>
                 </a:solidFill>
@@ -7676,11 +7737,7 @@
             </a:r>
             <a:r>
               <a:rPr lang="en-US" altLang="ko-KR" sz="2800" dirty="0" smtClean="0"/>
-              <a:t>G</a:t>
-            </a:r>
-            <a:r>
-              <a:rPr lang="en-US" altLang="ko-KR" sz="2800" dirty="0" smtClean="0"/>
-              <a:t>oogle </a:t>
+              <a:t>Google </a:t>
             </a:r>
             <a:r>
               <a:rPr lang="ko-KR" altLang="en-US" sz="2800" dirty="0" smtClean="0"/>
@@ -7721,11 +7778,7 @@
             <a:pPr algn="ctr"/>
             <a:r>
               <a:rPr lang="ko-KR" altLang="en-US" sz="3600" b="1" dirty="0" smtClean="0"/>
-              <a:t>완</a:t>
-            </a:r>
-            <a:r>
-              <a:rPr lang="ko-KR" altLang="en-US" sz="3600" b="1" dirty="0" smtClean="0"/>
-              <a:t>성</a:t>
+              <a:t>완성</a:t>
             </a:r>
             <a:endParaRPr lang="en-US" altLang="ko-KR" sz="3600" b="1" dirty="0" smtClean="0"/>
           </a:p>
@@ -7737,7 +7790,7 @@
     </p:spTree>
     <p:extLst>
       <p:ext uri="{BB962C8B-B14F-4D97-AF65-F5344CB8AC3E}">
-        <p14:creationId xmlns:p14="http://schemas.microsoft.com/office/powerpoint/2010/main" xmlns="" val="4236602450"/>
+        <p14:creationId xmlns="" xmlns:p14="http://schemas.microsoft.com/office/powerpoint/2010/main" val="4236602450"/>
       </p:ext>
     </p:extLst>
   </p:cSld>
@@ -7939,7 +7992,7 @@
     </p:spTree>
     <p:extLst>
       <p:ext uri="{BB962C8B-B14F-4D97-AF65-F5344CB8AC3E}">
-        <p14:creationId xmlns:p14="http://schemas.microsoft.com/office/powerpoint/2010/main" xmlns="" val="3555391168"/>
+        <p14:creationId xmlns="" xmlns:p14="http://schemas.microsoft.com/office/powerpoint/2010/main" val="3555391168"/>
       </p:ext>
     </p:extLst>
   </p:cSld>
@@ -8058,11 +8111,7 @@
             </a:r>
             <a:r>
               <a:rPr lang="en-US" altLang="ko-KR" u="sng" spc="-150" dirty="0" smtClean="0"/>
-              <a:t> </a:t>
-            </a:r>
-            <a:r>
-              <a:rPr lang="en-US" altLang="ko-KR" u="sng" spc="-150" dirty="0" smtClean="0"/>
-              <a:t>no (RESERVEDNO)</a:t>
+              <a:t> no (RESERVEDNO)</a:t>
             </a:r>
             <a:endParaRPr lang="ko-KR" altLang="ko-KR" spc="-150" dirty="0"/>
           </a:p>
@@ -8119,15 +8168,7 @@
                   <a:srgbClr val="00B050"/>
                 </a:solidFill>
               </a:rPr>
-              <a:t>no</a:t>
-            </a:r>
-            <a:r>
-              <a:rPr lang="en-US" altLang="ko-KR" b="1" spc="-150" dirty="0" smtClean="0">
-                <a:solidFill>
-                  <a:srgbClr val="00B050"/>
-                </a:solidFill>
-              </a:rPr>
-              <a:t> (ROOMNO)</a:t>
+              <a:t>no (ROOMNO)</a:t>
             </a:r>
             <a:endParaRPr lang="ko-KR" altLang="ko-KR" b="1" spc="-150" dirty="0" smtClean="0">
               <a:solidFill>
@@ -8258,23 +8299,7 @@
                   <a:srgbClr val="0070C0"/>
                 </a:solidFill>
               </a:rPr>
-              <a:t> </a:t>
-            </a:r>
-            <a:r>
-              <a:rPr lang="en-US" altLang="ko-KR" b="1" u="sng" spc="-150" dirty="0" smtClean="0">
-                <a:solidFill>
-                  <a:srgbClr val="0070C0"/>
-                </a:solidFill>
-              </a:rPr>
-              <a:t>no (</a:t>
-            </a:r>
-            <a:r>
-              <a:rPr lang="en-US" altLang="ko-KR" b="1" u="sng" spc="-150" dirty="0" smtClean="0">
-                <a:solidFill>
-                  <a:srgbClr val="0070C0"/>
-                </a:solidFill>
-              </a:rPr>
-              <a:t>BUILDINGNO)</a:t>
+              <a:t> no (BUILDINGNO)</a:t>
             </a:r>
             <a:endParaRPr lang="ko-KR" altLang="ko-KR" b="1" spc="-150" dirty="0">
               <a:solidFill>
@@ -8411,11 +8436,6 @@
               </a:rPr>
               <a:t>no (ROOMNO)</a:t>
             </a:r>
-            <a:endParaRPr lang="en-US" altLang="ko-KR" b="1" u="sng" spc="-150" dirty="0" smtClean="0">
-              <a:solidFill>
-                <a:srgbClr val="00B050"/>
-              </a:solidFill>
-            </a:endParaRPr>
           </a:p>
           <a:p>
             <a:r>
@@ -8526,15 +8546,7 @@
                   <a:srgbClr val="FF0000"/>
                 </a:solidFill>
               </a:rPr>
-              <a:t> </a:t>
-            </a:r>
-            <a:r>
-              <a:rPr lang="en-US" altLang="ko-KR" b="1" u="sng" spc="-150" dirty="0" smtClean="0">
-                <a:solidFill>
-                  <a:srgbClr val="FF0000"/>
-                </a:solidFill>
-              </a:rPr>
-              <a:t>(EMPNO)</a:t>
+              <a:t> (EMPNO)</a:t>
             </a:r>
             <a:endParaRPr lang="ko-KR" altLang="ko-KR" b="1" spc="-150" dirty="0">
               <a:solidFill>
@@ -8562,7 +8574,6 @@
               <a:rPr lang="en-US" altLang="ko-KR" spc="-150" dirty="0" smtClean="0"/>
               <a:t>ID (DEPTID)</a:t>
             </a:r>
-            <a:endParaRPr lang="en-US" altLang="ko-KR" spc="-150" dirty="0" smtClean="0"/>
           </a:p>
           <a:p>
             <a:r>
@@ -8582,11 +8593,7 @@
             </a:r>
             <a:r>
               <a:rPr lang="en-US" altLang="ko-KR" spc="-150" dirty="0" smtClean="0"/>
-              <a:t>ID </a:t>
-            </a:r>
-            <a:r>
-              <a:rPr lang="en-US" altLang="ko-KR" spc="-150" dirty="0" smtClean="0"/>
-              <a:t>(POSITIONID)</a:t>
+              <a:t>ID (POSITIONID)</a:t>
             </a:r>
           </a:p>
           <a:p>
@@ -8644,7 +8651,6 @@
               <a:rPr lang="en-US" altLang="ko-KR" b="1" spc="-150" dirty="0" smtClean="0"/>
               <a:t>&lt;REPLY&gt;</a:t>
             </a:r>
-            <a:endParaRPr lang="en-US" altLang="ko-KR" b="1" spc="-150" dirty="0" smtClean="0"/>
           </a:p>
           <a:p>
             <a:endParaRPr lang="ko-KR" altLang="ko-KR" spc="-150" dirty="0"/>
@@ -8662,7 +8668,6 @@
               <a:rPr lang="en-US" altLang="ko-KR" u="sng" spc="-150" dirty="0" smtClean="0"/>
               <a:t>no (REPLYNO)</a:t>
             </a:r>
-            <a:endParaRPr lang="en-US" altLang="ko-KR" u="sng" spc="-150" dirty="0" smtClean="0"/>
           </a:p>
           <a:p>
             <a:r>
@@ -8753,7 +8758,7 @@
     </p:spTree>
     <p:extLst>
       <p:ext uri="{BB962C8B-B14F-4D97-AF65-F5344CB8AC3E}">
-        <p14:creationId xmlns:p14="http://schemas.microsoft.com/office/powerpoint/2010/main" xmlns="" val="2845799729"/>
+        <p14:creationId xmlns="" xmlns:p14="http://schemas.microsoft.com/office/powerpoint/2010/main" val="2845799729"/>
       </p:ext>
     </p:extLst>
   </p:cSld>
@@ -8951,7 +8956,7 @@
     </p:spTree>
     <p:extLst>
       <p:ext uri="{BB962C8B-B14F-4D97-AF65-F5344CB8AC3E}">
-        <p14:creationId xmlns:p14="http://schemas.microsoft.com/office/powerpoint/2010/main" xmlns="" val="2845799729"/>
+        <p14:creationId xmlns="" xmlns:p14="http://schemas.microsoft.com/office/powerpoint/2010/main" val="2845799729"/>
       </p:ext>
     </p:extLst>
   </p:cSld>
@@ -10846,7 +10851,7 @@
           <a:blip r:embed="rId2" cstate="print">
             <a:extLst>
               <a:ext uri="{28A0092B-C50C-407E-A947-70E740481C1C}">
-                <a14:useLocalDpi xmlns:a14="http://schemas.microsoft.com/office/drawing/2010/main" xmlns="" val="0"/>
+                <a14:useLocalDpi xmlns="" xmlns:a14="http://schemas.microsoft.com/office/drawing/2010/main" val="0"/>
               </a:ext>
             </a:extLst>
           </a:blip>
@@ -10866,7 +10871,7 @@
           <a:noFill/>
           <a:extLst>
             <a:ext uri="{909E8E84-426E-40DD-AFC4-6F175D3DCCD1}">
-              <a14:hiddenFill xmlns:a14="http://schemas.microsoft.com/office/drawing/2010/main" xmlns="">
+              <a14:hiddenFill xmlns="" xmlns:a14="http://schemas.microsoft.com/office/drawing/2010/main">
                 <a:solidFill>
                   <a:srgbClr val="FFFFFF"/>
                 </a:solidFill>
@@ -10914,7 +10919,7 @@
     </p:spTree>
     <p:extLst>
       <p:ext uri="{BB962C8B-B14F-4D97-AF65-F5344CB8AC3E}">
-        <p14:creationId xmlns:p14="http://schemas.microsoft.com/office/powerpoint/2010/main" xmlns="" val="2845799729"/>
+        <p14:creationId xmlns="" xmlns:p14="http://schemas.microsoft.com/office/powerpoint/2010/main" val="2845799729"/>
       </p:ext>
     </p:extLst>
   </p:cSld>
@@ -11123,7 +11128,7 @@
     </p:spTree>
     <p:extLst>
       <p:ext uri="{BB962C8B-B14F-4D97-AF65-F5344CB8AC3E}">
-        <p14:creationId xmlns:p14="http://schemas.microsoft.com/office/powerpoint/2010/main" xmlns="" val="777952050"/>
+        <p14:creationId xmlns="" xmlns:p14="http://schemas.microsoft.com/office/powerpoint/2010/main" val="777952050"/>
       </p:ext>
     </p:extLst>
   </p:cSld>
@@ -11306,7 +11311,7 @@
     </p:spTree>
     <p:extLst>
       <p:ext uri="{BB962C8B-B14F-4D97-AF65-F5344CB8AC3E}">
-        <p14:creationId xmlns:p14="http://schemas.microsoft.com/office/powerpoint/2010/main" xmlns="" val="777952050"/>
+        <p14:creationId xmlns="" xmlns:p14="http://schemas.microsoft.com/office/powerpoint/2010/main" val="777952050"/>
       </p:ext>
     </p:extLst>
   </p:cSld>
@@ -11477,7 +11482,7 @@
     </p:spTree>
     <p:extLst>
       <p:ext uri="{BB962C8B-B14F-4D97-AF65-F5344CB8AC3E}">
-        <p14:creationId xmlns:p14="http://schemas.microsoft.com/office/powerpoint/2010/main" xmlns="" val="777952050"/>
+        <p14:creationId xmlns="" xmlns:p14="http://schemas.microsoft.com/office/powerpoint/2010/main" val="777952050"/>
       </p:ext>
     </p:extLst>
   </p:cSld>
@@ -11674,7 +11679,7 @@
     </p:spTree>
     <p:extLst>
       <p:ext uri="{BB962C8B-B14F-4D97-AF65-F5344CB8AC3E}">
-        <p14:creationId xmlns:p14="http://schemas.microsoft.com/office/powerpoint/2010/main" xmlns="" val="777952050"/>
+        <p14:creationId xmlns="" xmlns:p14="http://schemas.microsoft.com/office/powerpoint/2010/main" val="777952050"/>
       </p:ext>
     </p:extLst>
   </p:cSld>
@@ -12231,7 +12236,7 @@
   <a:extraClrSchemeLst/>
   <a:extLst>
     <a:ext uri="{05A4C25C-085E-4340-85A3-A5531E510DB2}">
-      <thm15:themeFamily xmlns:thm15="http://schemas.microsoft.com/office/thememl/2012/main" xmlns="" name="Office Theme" id="{62F939B6-93AF-4DB8-9C6B-D6C7DFDC589F}" vid="{4A3C46E8-61CC-4603-A589-7422A47A8E4A}"/>
+      <thm15:themeFamily xmlns="" xmlns:thm15="http://schemas.microsoft.com/office/thememl/2012/main" name="Office Theme" id="{62F939B6-93AF-4DB8-9C6B-D6C7DFDC589F}" vid="{4A3C46E8-61CC-4603-A589-7422A47A8E4A}"/>
     </a:ext>
   </a:extLst>
 </a:theme>
